--- a/Final session/Отчет.pptx
+++ b/Final session/Отчет.pptx
@@ -5659,8 +5659,8 @@
         </p:nvSpPr>
         <p:spPr>
           <a:xfrm>
-            <a:off x="1595269" y="2041863"/>
-            <a:ext cx="9001462" cy="1468099"/>
+            <a:off x="1145777" y="2041863"/>
+            <a:ext cx="9900445" cy="1020119"/>
           </a:xfrm>
         </p:spPr>
         <p:txBody>
@@ -5685,22 +5685,7 @@
             </a:br>
             <a:r>
               <a:rPr lang="ru-RU" sz="2000" dirty="0"/>
-              <a:t>ПМ 02. Разработка и администрирование баз данных</a:t>
-            </a:r>
-            <a:br>
-              <a:rPr lang="ru-RU" sz="2000" dirty="0"/>
-            </a:br>
-            <a:r>
-              <a:rPr lang="ru-RU" sz="2000" dirty="0"/>
-              <a:t>Тема: «Разработка базы данных «</a:t>
-            </a:r>
-            <a:r>
-              <a:rPr lang="ru-RU" sz="2000" dirty="0" err="1"/>
-              <a:t>ХранительПРО</a:t>
-            </a:r>
-            <a:r>
-              <a:rPr lang="ru-RU" sz="2000" dirty="0"/>
-              <a:t>»</a:t>
+              <a:t>ПМ.02. Осуществление интеграции программных модулей</a:t>
             </a:r>
           </a:p>
         </p:txBody>
@@ -11291,7 +11276,7 @@
           <a:graphicData uri="http://schemas.openxmlformats.org/presentationml/2006/ole">
             <mc:AlternateContent xmlns:mc="http://schemas.openxmlformats.org/markup-compatibility/2006">
               <mc:Choice xmlns:v="urn:schemas-microsoft-com:vml" Requires="v">
-                <p:oleObj spid="_x0000_s1056" name="Visio" r:id="rId3" imgW="11373116" imgH="8391634" progId="Visio.Drawing.15">
+                <p:oleObj spid="_x0000_s1066" name="Visio" r:id="rId3" imgW="11373116" imgH="8391634" progId="Visio.Drawing.15">
                   <p:embed/>
                 </p:oleObj>
               </mc:Choice>
@@ -11446,7 +11431,7 @@
           <a:graphicData uri="http://schemas.openxmlformats.org/presentationml/2006/ole">
             <mc:AlternateContent xmlns:mc="http://schemas.openxmlformats.org/markup-compatibility/2006">
               <mc:Choice xmlns:v="urn:schemas-microsoft-com:vml" Requires="v">
-                <p:oleObj spid="_x0000_s1057" name="Visio" r:id="rId5" imgW="5734139" imgH="3800327" progId="Visio.Drawing.15">
+                <p:oleObj spid="_x0000_s1067" name="Visio" r:id="rId5" imgW="5734139" imgH="3800327" progId="Visio.Drawing.15">
                   <p:embed/>
                 </p:oleObj>
               </mc:Choice>
@@ -11712,7 +11697,7 @@
           <a:graphicData uri="http://schemas.openxmlformats.org/presentationml/2006/ole">
             <mc:AlternateContent xmlns:mc="http://schemas.openxmlformats.org/markup-compatibility/2006">
               <mc:Choice xmlns:v="urn:schemas-microsoft-com:vml" Requires="v">
-                <p:oleObj spid="_x0000_s2080" name="Visio" r:id="rId3" imgW="11134947" imgH="13620947" progId="Visio.Drawing.15">
+                <p:oleObj spid="_x0000_s2090" name="Visio" r:id="rId3" imgW="11134947" imgH="13620947" progId="Visio.Drawing.15">
                   <p:embed/>
                 </p:oleObj>
               </mc:Choice>
@@ -11791,7 +11776,7 @@
           <a:graphicData uri="http://schemas.openxmlformats.org/presentationml/2006/ole">
             <mc:AlternateContent xmlns:mc="http://schemas.openxmlformats.org/markup-compatibility/2006">
               <mc:Choice xmlns:v="urn:schemas-microsoft-com:vml" Requires="v">
-                <p:oleObj spid="_x0000_s2081" name="Visio" r:id="rId5" imgW="17344892" imgH="14878307" progId="Visio.Drawing.15">
+                <p:oleObj spid="_x0000_s2091" name="Visio" r:id="rId5" imgW="17344892" imgH="14878307" progId="Visio.Drawing.15">
                   <p:embed/>
                 </p:oleObj>
               </mc:Choice>
@@ -12052,7 +12037,7 @@
           <a:graphicData uri="http://schemas.openxmlformats.org/presentationml/2006/ole">
             <mc:AlternateContent xmlns:mc="http://schemas.openxmlformats.org/markup-compatibility/2006">
               <mc:Choice xmlns:v="urn:schemas-microsoft-com:vml" Requires="v">
-                <p:oleObj spid="_x0000_s3104" name="Visio" r:id="rId3" imgW="28156077" imgH="19907211" progId="Visio.Drawing.15">
+                <p:oleObj spid="_x0000_s3114" name="Visio" r:id="rId3" imgW="28156077" imgH="19907211" progId="Visio.Drawing.15">
                   <p:embed/>
                 </p:oleObj>
               </mc:Choice>
@@ -12140,7 +12125,7 @@
           <a:graphicData uri="http://schemas.openxmlformats.org/presentationml/2006/ole">
             <mc:AlternateContent xmlns:mc="http://schemas.openxmlformats.org/markup-compatibility/2006">
               <mc:Choice xmlns:v="urn:schemas-microsoft-com:vml" Requires="v">
-                <p:oleObj spid="_x0000_s3105" name="Visio" r:id="rId5" imgW="8620347" imgH="3600450" progId="Visio.Drawing.15">
+                <p:oleObj spid="_x0000_s3115" name="Visio" r:id="rId5" imgW="8620347" imgH="3600450" progId="Visio.Drawing.15">
                   <p:embed/>
                 </p:oleObj>
               </mc:Choice>
@@ -12332,10 +12317,10 @@
       </p:pic>
       <p:pic>
         <p:nvPicPr>
-          <p:cNvPr id="7" name="Рисунок 6">
+          <p:cNvPr id="9" name="Рисунок 8">
             <a:extLst>
               <a:ext uri="{FF2B5EF4-FFF2-40B4-BE49-F238E27FC236}">
-                <a16:creationId xmlns:a16="http://schemas.microsoft.com/office/drawing/2014/main" id="{FC07E589-787F-450E-ADD5-499414374A14}"/>
+                <a16:creationId xmlns:a16="http://schemas.microsoft.com/office/drawing/2014/main" id="{FFA5289D-23D8-4AB4-AE88-F307121FC341}"/>
               </a:ext>
             </a:extLst>
           </p:cNvPr>
@@ -12345,15 +12330,21 @@
           <p:nvPr/>
         </p:nvPicPr>
         <p:blipFill>
-          <a:blip r:embed="rId3"/>
+          <a:blip r:embed="rId3">
+            <a:extLst>
+              <a:ext uri="{28A0092B-C50C-407E-A947-70E740481C1C}">
+                <a14:useLocalDpi xmlns:a14="http://schemas.microsoft.com/office/drawing/2010/main" val="0"/>
+              </a:ext>
+            </a:extLst>
+          </a:blip>
           <a:stretch>
             <a:fillRect/>
           </a:stretch>
         </p:blipFill>
         <p:spPr>
           <a:xfrm>
-            <a:off x="5746596" y="1981200"/>
-            <a:ext cx="6126391" cy="4211893"/>
+            <a:off x="5791707" y="2155971"/>
+            <a:ext cx="6040073" cy="4152550"/>
           </a:xfrm>
           <a:prstGeom prst="rect">
             <a:avLst/>
